--- a/Folien/08_Arbeiten_mit_der_Attributtabelle.pptx
+++ b/Folien/08_Arbeiten_mit_der_Attributtabelle.pptx
@@ -1155,7 +1155,7 @@
             <a:graphicData uri="http://schemas.openxmlformats.org/presentationml/2006/ole">
               <mc:AlternateContent xmlns:mc="http://schemas.openxmlformats.org/markup-compatibility/2006">
                 <mc:Choice xmlns:v="urn:schemas-microsoft-com:vml" Requires="v">
-                  <p:oleObj spid="_x0000_s1067" name="Image" r:id="rId3" imgW="4228571" imgH="1676190" progId="Photoshop.Image.9">
+                  <p:oleObj spid="_x0000_s1069" name="Image" r:id="rId3" imgW="4228571" imgH="1676190" progId="Photoshop.Image.9">
                     <p:embed/>
                   </p:oleObj>
                 </mc:Choice>
@@ -1440,7 +1440,7 @@
           <a:p>
             <a:fld id="{03C69639-9897-48EB-B7C5-6F9B9202BDB2}" type="datetimeFigureOut">
               <a:rPr lang="de-DE" smtClean="0"/>
-              <a:t>19.07.2023</a:t>
+              <a:t>23.07.2023</a:t>
             </a:fld>
             <a:endParaRPr lang="de-DE"/>
           </a:p>
@@ -8535,10 +8535,10 @@
       </p:sp>
       <p:graphicFrame>
         <p:nvGraphicFramePr>
-          <p:cNvPr id="7" name="Group 378">
+          <p:cNvPr id="8" name="Group 378">
             <a:extLst>
               <a:ext uri="{FF2B5EF4-FFF2-40B4-BE49-F238E27FC236}">
-                <a16:creationId xmlns:a16="http://schemas.microsoft.com/office/drawing/2014/main" id="{B5C9B6CC-D81B-4AD4-846C-E53D760A1A89}"/>
+                <a16:creationId xmlns:a16="http://schemas.microsoft.com/office/drawing/2014/main" id="{101FD628-8F81-4F48-B51D-95B187533B1C}"/>
               </a:ext>
             </a:extLst>
           </p:cNvPr>
@@ -8548,14 +8548,14 @@
           <p:nvPr>
             <p:extLst>
               <p:ext uri="{D42A27DB-BD31-4B8C-83A1-F6EECF244321}">
-                <p14:modId xmlns:p14="http://schemas.microsoft.com/office/powerpoint/2010/main" val="2653674733"/>
+                <p14:modId xmlns:p14="http://schemas.microsoft.com/office/powerpoint/2010/main" val="2843963949"/>
               </p:ext>
             </p:extLst>
           </p:nvPr>
         </p:nvGraphicFramePr>
         <p:xfrm>
           <a:off x="318294" y="835534"/>
-          <a:ext cx="7988219" cy="4800600"/>
+          <a:ext cx="7988219" cy="3200400"/>
         </p:xfrm>
         <a:graphic>
           <a:graphicData uri="http://schemas.openxmlformats.org/drawingml/2006/table">
@@ -9859,9 +9859,7 @@
                     <a:lnBlToTr>
                       <a:noFill/>
                     </a:lnBlToTr>
-                    <a:solidFill>
-                      <a:srgbClr val="FFFF00"/>
-                    </a:solidFill>
+                    <a:noFill/>
                   </a:tcPr>
                 </a:tc>
                 <a:tc>
@@ -9944,9 +9942,7 @@
                     <a:lnBlToTr>
                       <a:noFill/>
                     </a:lnBlToTr>
-                    <a:solidFill>
-                      <a:srgbClr val="FFFF00"/>
-                    </a:solidFill>
+                    <a:noFill/>
                   </a:tcPr>
                 </a:tc>
                 <a:extLst>
@@ -10035,7 +10031,9 @@
                     <a:lnBlToTr>
                       <a:noFill/>
                     </a:lnBlToTr>
-                    <a:noFill/>
+                    <a:solidFill>
+                      <a:srgbClr val="FFFF00"/>
+                    </a:solidFill>
                   </a:tcPr>
                 </a:tc>
                 <a:tc>
@@ -10117,7 +10115,9 @@
                     <a:lnBlToTr>
                       <a:noFill/>
                     </a:lnBlToTr>
-                    <a:noFill/>
+                    <a:solidFill>
+                      <a:srgbClr val="FFFF00"/>
+                    </a:solidFill>
                   </a:tcPr>
                 </a:tc>
                 <a:extLst>
@@ -10148,16 +10148,19 @@
                         <a:buNone/>
                         <a:tabLst/>
                       </a:pPr>
-                      <a:endParaRPr kumimoji="0" lang="de-DE" sz="1150" b="0" i="0" u="none" strike="noStrike" cap="none" normalizeH="0" baseline="0" dirty="0">
-                        <a:ln>
-                          <a:noFill/>
-                        </a:ln>
-                        <a:solidFill>
-                          <a:srgbClr val="003366"/>
-                        </a:solidFill>
-                        <a:effectLst/>
-                        <a:latin typeface="Arial" charset="0"/>
-                      </a:endParaRPr>
+                      <a:r>
+                        <a:rPr kumimoji="0" lang="de-DE" sz="1150" b="0" i="0" u="none" strike="noStrike" cap="none" normalizeH="0" baseline="0" dirty="0">
+                          <a:ln>
+                            <a:noFill/>
+                          </a:ln>
+                          <a:solidFill>
+                            <a:srgbClr val="003366"/>
+                          </a:solidFill>
+                          <a:effectLst/>
+                          <a:latin typeface="Arial" charset="0"/>
+                        </a:rPr>
+                        <a:t>19.7.2023</a:t>
+                      </a:r>
                     </a:p>
                   </a:txBody>
                   <a:tcPr horzOverflow="overflow">
@@ -10228,16 +10231,19 @@
                         <a:tabLst/>
                         <a:defRPr/>
                       </a:pPr>
-                      <a:endParaRPr kumimoji="0" lang="de-DE" sz="1150" b="0" i="0" u="none" strike="noStrike" cap="none" normalizeH="0" baseline="0" dirty="0">
-                        <a:ln>
-                          <a:noFill/>
-                        </a:ln>
-                        <a:solidFill>
-                          <a:srgbClr val="003366"/>
-                        </a:solidFill>
-                        <a:effectLst/>
-                        <a:latin typeface="Arial" charset="0"/>
-                      </a:endParaRPr>
+                      <a:r>
+                        <a:rPr kumimoji="0" lang="de-DE" sz="1150" b="0" i="0" u="none" strike="noStrike" cap="none" normalizeH="0" baseline="0" dirty="0">
+                          <a:ln>
+                            <a:noFill/>
+                          </a:ln>
+                          <a:solidFill>
+                            <a:srgbClr val="003366"/>
+                          </a:solidFill>
+                          <a:effectLst/>
+                          <a:latin typeface="Arial" charset="0"/>
+                        </a:rPr>
+                        <a:t>(9)    Einführung in die Fernerkundung, Rasterrechner</a:t>
+                      </a:r>
                     </a:p>
                   </a:txBody>
                   <a:tcPr horzOverflow="overflow">
@@ -10314,181 +10320,19 @@
                         <a:buNone/>
                         <a:tabLst/>
                       </a:pPr>
-                      <a:endParaRPr kumimoji="0" lang="de-DE" sz="1150" b="0" i="1" u="none" strike="noStrike" cap="none" normalizeH="0" baseline="0" dirty="0">
-                        <a:ln>
-                          <a:noFill/>
-                        </a:ln>
-                        <a:solidFill>
-                          <a:srgbClr val="C00000"/>
-                        </a:solidFill>
-                        <a:effectLst/>
-                        <a:latin typeface="Arial" charset="0"/>
-                      </a:endParaRPr>
-                    </a:p>
-                  </a:txBody>
-                  <a:tcPr horzOverflow="overflow">
-                    <a:lnL w="12700" cap="flat" cmpd="sng" algn="ctr">
-                      <a:solidFill>
-                        <a:schemeClr val="tx1"/>
-                      </a:solidFill>
-                      <a:prstDash val="solid"/>
-                      <a:round/>
-                      <a:headEnd type="none" w="med" len="med"/>
-                      <a:tailEnd type="none" w="med" len="med"/>
-                    </a:lnL>
-                    <a:lnR w="12700" cap="flat" cmpd="sng" algn="ctr">
-                      <a:solidFill>
-                        <a:schemeClr val="tx1"/>
-                      </a:solidFill>
-                      <a:prstDash val="solid"/>
-                      <a:round/>
-                      <a:headEnd type="none" w="med" len="med"/>
-                      <a:tailEnd type="none" w="med" len="med"/>
-                    </a:lnR>
-                    <a:lnT w="12700" cap="flat" cmpd="sng" algn="ctr">
-                      <a:solidFill>
-                        <a:schemeClr val="tx1"/>
-                      </a:solidFill>
-                      <a:prstDash val="solid"/>
-                      <a:round/>
-                      <a:headEnd type="none" w="med" len="med"/>
-                      <a:tailEnd type="none" w="med" len="med"/>
-                    </a:lnT>
-                    <a:lnB w="12700" cap="flat" cmpd="sng" algn="ctr">
-                      <a:solidFill>
-                        <a:schemeClr val="tx1"/>
-                      </a:solidFill>
-                      <a:prstDash val="solid"/>
-                      <a:round/>
-                      <a:headEnd type="none" w="med" len="med"/>
-                      <a:tailEnd type="none" w="med" len="med"/>
-                    </a:lnB>
-                    <a:lnTlToBr>
-                      <a:noFill/>
-                    </a:lnTlToBr>
-                    <a:lnBlToTr>
-                      <a:noFill/>
-                    </a:lnBlToTr>
-                    <a:noFill/>
-                  </a:tcPr>
-                </a:tc>
-                <a:tc>
-                  <a:txBody>
-                    <a:bodyPr/>
-                    <a:lstStyle/>
-                    <a:p>
-                      <a:pPr marL="354013" marR="0" lvl="0" indent="-354013" algn="l" defTabSz="914400" rtl="0" eaLnBrk="1" fontAlgn="base" latinLnBrk="0" hangingPunct="1">
-                        <a:lnSpc>
-                          <a:spcPct val="100000"/>
-                        </a:lnSpc>
-                        <a:spcBef>
-                          <a:spcPct val="20000"/>
-                        </a:spcBef>
-                        <a:spcAft>
-                          <a:spcPct val="0"/>
-                        </a:spcAft>
-                        <a:buClrTx/>
-                        <a:buSzTx/>
-                        <a:buFontTx/>
-                        <a:buNone/>
-                        <a:tabLst/>
-                      </a:pPr>
-                      <a:endParaRPr kumimoji="0" lang="de-DE" sz="1150" b="0" i="1" u="none" strike="noStrike" cap="none" normalizeH="0" baseline="0" dirty="0">
-                        <a:ln>
-                          <a:noFill/>
-                        </a:ln>
-                        <a:solidFill>
-                          <a:srgbClr val="C00000"/>
-                        </a:solidFill>
-                        <a:effectLst/>
-                        <a:latin typeface="Arial" charset="0"/>
-                      </a:endParaRPr>
-                    </a:p>
-                  </a:txBody>
-                  <a:tcPr horzOverflow="overflow">
-                    <a:lnL w="12700" cap="flat" cmpd="sng" algn="ctr">
-                      <a:solidFill>
-                        <a:schemeClr val="tx1"/>
-                      </a:solidFill>
-                      <a:prstDash val="solid"/>
-                      <a:round/>
-                      <a:headEnd type="none" w="med" len="med"/>
-                      <a:tailEnd type="none" w="med" len="med"/>
-                    </a:lnL>
-                    <a:lnR w="12700" cap="flat" cmpd="sng" algn="ctr">
-                      <a:solidFill>
-                        <a:schemeClr val="tx1"/>
-                      </a:solidFill>
-                      <a:prstDash val="solid"/>
-                      <a:round/>
-                      <a:headEnd type="none" w="med" len="med"/>
-                      <a:tailEnd type="none" w="med" len="med"/>
-                    </a:lnR>
-                    <a:lnT w="12700" cap="flat" cmpd="sng" algn="ctr">
-                      <a:solidFill>
-                        <a:schemeClr val="tx1"/>
-                      </a:solidFill>
-                      <a:prstDash val="solid"/>
-                      <a:round/>
-                      <a:headEnd type="none" w="med" len="med"/>
-                      <a:tailEnd type="none" w="med" len="med"/>
-                    </a:lnT>
-                    <a:lnB w="12700" cap="flat" cmpd="sng" algn="ctr">
-                      <a:solidFill>
-                        <a:schemeClr val="tx1"/>
-                      </a:solidFill>
-                      <a:prstDash val="solid"/>
-                      <a:round/>
-                      <a:headEnd type="none" w="med" len="med"/>
-                      <a:tailEnd type="none" w="med" len="med"/>
-                    </a:lnB>
-                    <a:lnTlToBr>
-                      <a:noFill/>
-                    </a:lnTlToBr>
-                    <a:lnBlToTr>
-                      <a:noFill/>
-                    </a:lnBlToTr>
-                    <a:noFill/>
-                  </a:tcPr>
-                </a:tc>
-                <a:extLst>
-                  <a:ext uri="{0D108BD9-81ED-4DB2-BD59-A6C34878D82A}">
-                    <a16:rowId xmlns:a16="http://schemas.microsoft.com/office/drawing/2014/main" val="10010"/>
-                  </a:ext>
-                </a:extLst>
-              </a:tr>
-              <a:tr h="0">
-                <a:tc>
-                  <a:txBody>
-                    <a:bodyPr/>
-                    <a:lstStyle/>
-                    <a:p>
-                      <a:pPr marL="354013" marR="0" lvl="0" indent="-354013" algn="ctr" defTabSz="914400" rtl="0" eaLnBrk="1" fontAlgn="base" latinLnBrk="0" hangingPunct="1">
-                        <a:lnSpc>
-                          <a:spcPct val="100000"/>
-                        </a:lnSpc>
-                        <a:spcBef>
-                          <a:spcPct val="20000"/>
-                        </a:spcBef>
-                        <a:spcAft>
-                          <a:spcPct val="0"/>
-                        </a:spcAft>
-                        <a:buClrTx/>
-                        <a:buSzTx/>
-                        <a:buFontTx/>
-                        <a:buNone/>
-                        <a:tabLst/>
-                      </a:pPr>
-                      <a:endParaRPr kumimoji="0" lang="de-DE" sz="1150" b="0" i="0" u="none" strike="noStrike" cap="none" normalizeH="0" baseline="0" dirty="0">
-                        <a:ln>
-                          <a:noFill/>
-                        </a:ln>
-                        <a:solidFill>
-                          <a:srgbClr val="003366"/>
-                        </a:solidFill>
-                        <a:effectLst/>
-                        <a:latin typeface="Arial" charset="0"/>
-                      </a:endParaRPr>
+                      <a:r>
+                        <a:rPr kumimoji="0" lang="de-DE" sz="1150" b="0" i="0" u="none" strike="noStrike" cap="none" normalizeH="0" baseline="0" dirty="0">
+                          <a:ln>
+                            <a:noFill/>
+                          </a:ln>
+                          <a:solidFill>
+                            <a:srgbClr val="003366"/>
+                          </a:solidFill>
+                          <a:effectLst/>
+                          <a:latin typeface="Arial" charset="0"/>
+                        </a:rPr>
+                        <a:t>19.7.2023</a:t>
+                      </a:r>
                     </a:p>
                   </a:txBody>
                   <a:tcPr horzOverflow="overflow">
@@ -10559,16 +10403,190 @@
                         <a:tabLst/>
                         <a:defRPr/>
                       </a:pPr>
-                      <a:endParaRPr kumimoji="0" lang="de-DE" sz="1150" b="0" i="0" u="none" strike="noStrike" cap="none" normalizeH="0" baseline="0" dirty="0">
-                        <a:ln>
-                          <a:noFill/>
-                        </a:ln>
-                        <a:solidFill>
-                          <a:srgbClr val="003366"/>
-                        </a:solidFill>
-                        <a:effectLst/>
-                        <a:latin typeface="Arial" charset="0"/>
-                      </a:endParaRPr>
+                      <a:r>
+                        <a:rPr kumimoji="0" lang="de-DE" sz="1150" b="0" i="0" u="none" strike="noStrike" cap="none" normalizeH="0" baseline="0" dirty="0">
+                          <a:ln>
+                            <a:noFill/>
+                          </a:ln>
+                          <a:solidFill>
+                            <a:srgbClr val="003366"/>
+                          </a:solidFill>
+                          <a:effectLst/>
+                          <a:latin typeface="Arial" charset="0"/>
+                        </a:rPr>
+                        <a:t>(10)  Repetitorium, Vergabe der Prüfungsleistung</a:t>
+                      </a:r>
+                    </a:p>
+                  </a:txBody>
+                  <a:tcPr horzOverflow="overflow">
+                    <a:lnL w="12700" cap="flat" cmpd="sng" algn="ctr">
+                      <a:solidFill>
+                        <a:schemeClr val="tx1"/>
+                      </a:solidFill>
+                      <a:prstDash val="solid"/>
+                      <a:round/>
+                      <a:headEnd type="none" w="med" len="med"/>
+                      <a:tailEnd type="none" w="med" len="med"/>
+                    </a:lnL>
+                    <a:lnR w="12700" cap="flat" cmpd="sng" algn="ctr">
+                      <a:solidFill>
+                        <a:schemeClr val="tx1"/>
+                      </a:solidFill>
+                      <a:prstDash val="solid"/>
+                      <a:round/>
+                      <a:headEnd type="none" w="med" len="med"/>
+                      <a:tailEnd type="none" w="med" len="med"/>
+                    </a:lnR>
+                    <a:lnT w="12700" cap="flat" cmpd="sng" algn="ctr">
+                      <a:solidFill>
+                        <a:schemeClr val="tx1"/>
+                      </a:solidFill>
+                      <a:prstDash val="solid"/>
+                      <a:round/>
+                      <a:headEnd type="none" w="med" len="med"/>
+                      <a:tailEnd type="none" w="med" len="med"/>
+                    </a:lnT>
+                    <a:lnB w="12700" cap="flat" cmpd="sng" algn="ctr">
+                      <a:solidFill>
+                        <a:schemeClr val="tx1"/>
+                      </a:solidFill>
+                      <a:prstDash val="solid"/>
+                      <a:round/>
+                      <a:headEnd type="none" w="med" len="med"/>
+                      <a:tailEnd type="none" w="med" len="med"/>
+                    </a:lnB>
+                    <a:lnTlToBr>
+                      <a:noFill/>
+                    </a:lnTlToBr>
+                    <a:lnBlToTr>
+                      <a:noFill/>
+                    </a:lnBlToTr>
+                    <a:noFill/>
+                  </a:tcPr>
+                </a:tc>
+                <a:extLst>
+                  <a:ext uri="{0D108BD9-81ED-4DB2-BD59-A6C34878D82A}">
+                    <a16:rowId xmlns:a16="http://schemas.microsoft.com/office/drawing/2014/main" val="10010"/>
+                  </a:ext>
+                </a:extLst>
+              </a:tr>
+              <a:tr h="0">
+                <a:tc>
+                  <a:txBody>
+                    <a:bodyPr/>
+                    <a:lstStyle/>
+                    <a:p>
+                      <a:pPr marL="0" marR="0" lvl="0" indent="0" algn="ctr" defTabSz="914400" rtl="0" eaLnBrk="1" fontAlgn="base" latinLnBrk="0" hangingPunct="1">
+                        <a:lnSpc>
+                          <a:spcPct val="100000"/>
+                        </a:lnSpc>
+                        <a:spcBef>
+                          <a:spcPct val="20000"/>
+                        </a:spcBef>
+                        <a:spcAft>
+                          <a:spcPct val="0"/>
+                        </a:spcAft>
+                        <a:buClrTx/>
+                        <a:buSzTx/>
+                        <a:buFontTx/>
+                        <a:buNone/>
+                        <a:tabLst/>
+                      </a:pPr>
+                      <a:r>
+                        <a:rPr kumimoji="0" lang="de-DE" sz="1150" b="0" i="0" u="none" strike="noStrike" cap="none" normalizeH="0" baseline="0" dirty="0">
+                          <a:ln>
+                            <a:noFill/>
+                          </a:ln>
+                          <a:solidFill>
+                            <a:srgbClr val="FF0000"/>
+                          </a:solidFill>
+                          <a:effectLst/>
+                          <a:latin typeface="Arial" charset="0"/>
+                        </a:rPr>
+                        <a:t>15.9.2023</a:t>
+                      </a:r>
+                    </a:p>
+                  </a:txBody>
+                  <a:tcPr horzOverflow="overflow">
+                    <a:lnL w="12700" cap="flat" cmpd="sng" algn="ctr">
+                      <a:solidFill>
+                        <a:schemeClr val="tx1"/>
+                      </a:solidFill>
+                      <a:prstDash val="solid"/>
+                      <a:round/>
+                      <a:headEnd type="none" w="med" len="med"/>
+                      <a:tailEnd type="none" w="med" len="med"/>
+                    </a:lnL>
+                    <a:lnR w="12700" cap="flat" cmpd="sng" algn="ctr">
+                      <a:solidFill>
+                        <a:schemeClr val="tx1"/>
+                      </a:solidFill>
+                      <a:prstDash val="solid"/>
+                      <a:round/>
+                      <a:headEnd type="none" w="med" len="med"/>
+                      <a:tailEnd type="none" w="med" len="med"/>
+                    </a:lnR>
+                    <a:lnT w="12700" cap="flat" cmpd="sng" algn="ctr">
+                      <a:solidFill>
+                        <a:schemeClr val="tx1"/>
+                      </a:solidFill>
+                      <a:prstDash val="solid"/>
+                      <a:round/>
+                      <a:headEnd type="none" w="med" len="med"/>
+                      <a:tailEnd type="none" w="med" len="med"/>
+                    </a:lnT>
+                    <a:lnB w="12700" cap="flat" cmpd="sng" algn="ctr">
+                      <a:solidFill>
+                        <a:schemeClr val="tx1"/>
+                      </a:solidFill>
+                      <a:prstDash val="solid"/>
+                      <a:round/>
+                      <a:headEnd type="none" w="med" len="med"/>
+                      <a:tailEnd type="none" w="med" len="med"/>
+                    </a:lnB>
+                    <a:lnTlToBr>
+                      <a:noFill/>
+                    </a:lnTlToBr>
+                    <a:lnBlToTr>
+                      <a:noFill/>
+                    </a:lnBlToTr>
+                    <a:noFill/>
+                  </a:tcPr>
+                </a:tc>
+                <a:tc>
+                  <a:txBody>
+                    <a:bodyPr/>
+                    <a:lstStyle/>
+                    <a:p>
+                      <a:pPr marL="357188" marR="0" lvl="0" indent="-357188" algn="l" defTabSz="914400" rtl="0" eaLnBrk="1" fontAlgn="base" latinLnBrk="0" hangingPunct="1">
+                        <a:lnSpc>
+                          <a:spcPct val="100000"/>
+                        </a:lnSpc>
+                        <a:spcBef>
+                          <a:spcPct val="20000"/>
+                        </a:spcBef>
+                        <a:spcAft>
+                          <a:spcPct val="0"/>
+                        </a:spcAft>
+                        <a:buClrTx/>
+                        <a:buSzTx/>
+                        <a:buFontTx/>
+                        <a:buNone/>
+                        <a:tabLst/>
+                      </a:pPr>
+                      <a:r>
+                        <a:rPr kumimoji="0" lang="de-DE" sz="1150" b="0" i="0" u="none" strike="noStrike" cap="none" normalizeH="0" baseline="0" dirty="0">
+                          <a:ln>
+                            <a:noFill/>
+                          </a:ln>
+                          <a:solidFill>
+                            <a:srgbClr val="FF0000"/>
+                          </a:solidFill>
+                          <a:effectLst/>
+                          <a:latin typeface="Arial" charset="0"/>
+                        </a:rPr>
+                        <a:t>Abgabe Prüfungsleistung</a:t>
+                      </a:r>
                     </a:p>
                   </a:txBody>
                   <a:tcPr horzOverflow="overflow">
@@ -10623,1000 +10641,6 @@
                   </a:ext>
                 </a:extLst>
               </a:tr>
-              <a:tr h="0">
-                <a:tc>
-                  <a:txBody>
-                    <a:bodyPr/>
-                    <a:lstStyle/>
-                    <a:p>
-                      <a:pPr marL="354013" marR="0" lvl="0" indent="-354013" algn="ctr" defTabSz="914400" rtl="0" eaLnBrk="1" fontAlgn="base" latinLnBrk="0" hangingPunct="1">
-                        <a:lnSpc>
-                          <a:spcPct val="100000"/>
-                        </a:lnSpc>
-                        <a:spcBef>
-                          <a:spcPct val="20000"/>
-                        </a:spcBef>
-                        <a:spcAft>
-                          <a:spcPct val="0"/>
-                        </a:spcAft>
-                        <a:buClrTx/>
-                        <a:buSzTx/>
-                        <a:buFontTx/>
-                        <a:buNone/>
-                        <a:tabLst/>
-                      </a:pPr>
-                      <a:endParaRPr kumimoji="0" lang="de-DE" sz="1150" b="0" i="0" u="none" strike="noStrike" cap="none" normalizeH="0" baseline="0" dirty="0">
-                        <a:ln>
-                          <a:noFill/>
-                        </a:ln>
-                        <a:solidFill>
-                          <a:srgbClr val="003366"/>
-                        </a:solidFill>
-                        <a:effectLst/>
-                        <a:latin typeface="Arial" charset="0"/>
-                      </a:endParaRPr>
-                    </a:p>
-                  </a:txBody>
-                  <a:tcPr horzOverflow="overflow">
-                    <a:lnL w="12700" cap="flat" cmpd="sng" algn="ctr">
-                      <a:solidFill>
-                        <a:schemeClr val="tx1"/>
-                      </a:solidFill>
-                      <a:prstDash val="solid"/>
-                      <a:round/>
-                      <a:headEnd type="none" w="med" len="med"/>
-                      <a:tailEnd type="none" w="med" len="med"/>
-                    </a:lnL>
-                    <a:lnR w="12700" cap="flat" cmpd="sng" algn="ctr">
-                      <a:solidFill>
-                        <a:schemeClr val="tx1"/>
-                      </a:solidFill>
-                      <a:prstDash val="solid"/>
-                      <a:round/>
-                      <a:headEnd type="none" w="med" len="med"/>
-                      <a:tailEnd type="none" w="med" len="med"/>
-                    </a:lnR>
-                    <a:lnT w="12700" cap="flat" cmpd="sng" algn="ctr">
-                      <a:solidFill>
-                        <a:schemeClr val="tx1"/>
-                      </a:solidFill>
-                      <a:prstDash val="solid"/>
-                      <a:round/>
-                      <a:headEnd type="none" w="med" len="med"/>
-                      <a:tailEnd type="none" w="med" len="med"/>
-                    </a:lnT>
-                    <a:lnB w="12700" cap="flat" cmpd="sng" algn="ctr">
-                      <a:solidFill>
-                        <a:schemeClr val="tx1"/>
-                      </a:solidFill>
-                      <a:prstDash val="solid"/>
-                      <a:round/>
-                      <a:headEnd type="none" w="med" len="med"/>
-                      <a:tailEnd type="none" w="med" len="med"/>
-                    </a:lnB>
-                    <a:lnTlToBr>
-                      <a:noFill/>
-                    </a:lnTlToBr>
-                    <a:lnBlToTr>
-                      <a:noFill/>
-                    </a:lnBlToTr>
-                    <a:noFill/>
-                  </a:tcPr>
-                </a:tc>
-                <a:tc>
-                  <a:txBody>
-                    <a:bodyPr/>
-                    <a:lstStyle/>
-                    <a:p>
-                      <a:pPr marL="354013" marR="0" lvl="0" indent="-354013" algn="l" defTabSz="914400" rtl="0" eaLnBrk="1" fontAlgn="base" latinLnBrk="0" hangingPunct="1">
-                        <a:lnSpc>
-                          <a:spcPct val="100000"/>
-                        </a:lnSpc>
-                        <a:spcBef>
-                          <a:spcPct val="20000"/>
-                        </a:spcBef>
-                        <a:spcAft>
-                          <a:spcPct val="0"/>
-                        </a:spcAft>
-                        <a:buClrTx/>
-                        <a:buSzTx/>
-                        <a:buFontTx/>
-                        <a:buNone/>
-                        <a:tabLst/>
-                        <a:defRPr/>
-                      </a:pPr>
-                      <a:endParaRPr kumimoji="0" lang="de-DE" sz="1150" b="0" i="0" u="none" strike="noStrike" cap="none" normalizeH="0" baseline="0" dirty="0">
-                        <a:ln>
-                          <a:noFill/>
-                        </a:ln>
-                        <a:solidFill>
-                          <a:srgbClr val="003366"/>
-                        </a:solidFill>
-                        <a:effectLst/>
-                        <a:latin typeface="Arial" charset="0"/>
-                      </a:endParaRPr>
-                    </a:p>
-                  </a:txBody>
-                  <a:tcPr horzOverflow="overflow">
-                    <a:lnL w="12700" cap="flat" cmpd="sng" algn="ctr">
-                      <a:solidFill>
-                        <a:schemeClr val="tx1"/>
-                      </a:solidFill>
-                      <a:prstDash val="solid"/>
-                      <a:round/>
-                      <a:headEnd type="none" w="med" len="med"/>
-                      <a:tailEnd type="none" w="med" len="med"/>
-                    </a:lnL>
-                    <a:lnR w="12700" cap="flat" cmpd="sng" algn="ctr">
-                      <a:solidFill>
-                        <a:schemeClr val="tx1"/>
-                      </a:solidFill>
-                      <a:prstDash val="solid"/>
-                      <a:round/>
-                      <a:headEnd type="none" w="med" len="med"/>
-                      <a:tailEnd type="none" w="med" len="med"/>
-                    </a:lnR>
-                    <a:lnT w="12700" cap="flat" cmpd="sng" algn="ctr">
-                      <a:solidFill>
-                        <a:schemeClr val="tx1"/>
-                      </a:solidFill>
-                      <a:prstDash val="solid"/>
-                      <a:round/>
-                      <a:headEnd type="none" w="med" len="med"/>
-                      <a:tailEnd type="none" w="med" len="med"/>
-                    </a:lnT>
-                    <a:lnB w="12700" cap="flat" cmpd="sng" algn="ctr">
-                      <a:solidFill>
-                        <a:schemeClr val="tx1"/>
-                      </a:solidFill>
-                      <a:prstDash val="solid"/>
-                      <a:round/>
-                      <a:headEnd type="none" w="med" len="med"/>
-                      <a:tailEnd type="none" w="med" len="med"/>
-                    </a:lnB>
-                    <a:lnTlToBr>
-                      <a:noFill/>
-                    </a:lnTlToBr>
-                    <a:lnBlToTr>
-                      <a:noFill/>
-                    </a:lnBlToTr>
-                    <a:noFill/>
-                  </a:tcPr>
-                </a:tc>
-                <a:extLst>
-                  <a:ext uri="{0D108BD9-81ED-4DB2-BD59-A6C34878D82A}">
-                    <a16:rowId xmlns:a16="http://schemas.microsoft.com/office/drawing/2014/main" val="10012"/>
-                  </a:ext>
-                </a:extLst>
-              </a:tr>
-              <a:tr h="0">
-                <a:tc>
-                  <a:txBody>
-                    <a:bodyPr/>
-                    <a:lstStyle/>
-                    <a:p>
-                      <a:pPr marL="354013" marR="0" lvl="0" indent="-354013" algn="ctr" defTabSz="914400" rtl="0" eaLnBrk="1" fontAlgn="base" latinLnBrk="0" hangingPunct="1">
-                        <a:lnSpc>
-                          <a:spcPct val="100000"/>
-                        </a:lnSpc>
-                        <a:spcBef>
-                          <a:spcPct val="20000"/>
-                        </a:spcBef>
-                        <a:spcAft>
-                          <a:spcPct val="0"/>
-                        </a:spcAft>
-                        <a:buClrTx/>
-                        <a:buSzTx/>
-                        <a:buFontTx/>
-                        <a:buNone/>
-                        <a:tabLst/>
-                      </a:pPr>
-                      <a:endParaRPr kumimoji="0" lang="de-DE" sz="1150" b="0" i="0" u="none" strike="noStrike" cap="none" normalizeH="0" baseline="0" dirty="0">
-                        <a:ln>
-                          <a:noFill/>
-                        </a:ln>
-                        <a:solidFill>
-                          <a:srgbClr val="003366"/>
-                        </a:solidFill>
-                        <a:effectLst/>
-                        <a:latin typeface="Arial" charset="0"/>
-                      </a:endParaRPr>
-                    </a:p>
-                  </a:txBody>
-                  <a:tcPr horzOverflow="overflow">
-                    <a:lnL w="12700" cap="flat" cmpd="sng" algn="ctr">
-                      <a:solidFill>
-                        <a:schemeClr val="tx1"/>
-                      </a:solidFill>
-                      <a:prstDash val="solid"/>
-                      <a:round/>
-                      <a:headEnd type="none" w="med" len="med"/>
-                      <a:tailEnd type="none" w="med" len="med"/>
-                    </a:lnL>
-                    <a:lnR w="12700" cap="flat" cmpd="sng" algn="ctr">
-                      <a:solidFill>
-                        <a:schemeClr val="tx1"/>
-                      </a:solidFill>
-                      <a:prstDash val="solid"/>
-                      <a:round/>
-                      <a:headEnd type="none" w="med" len="med"/>
-                      <a:tailEnd type="none" w="med" len="med"/>
-                    </a:lnR>
-                    <a:lnT w="12700" cap="flat" cmpd="sng" algn="ctr">
-                      <a:solidFill>
-                        <a:schemeClr val="tx1"/>
-                      </a:solidFill>
-                      <a:prstDash val="solid"/>
-                      <a:round/>
-                      <a:headEnd type="none" w="med" len="med"/>
-                      <a:tailEnd type="none" w="med" len="med"/>
-                    </a:lnT>
-                    <a:lnB w="12700" cap="flat" cmpd="sng" algn="ctr">
-                      <a:solidFill>
-                        <a:schemeClr val="tx1"/>
-                      </a:solidFill>
-                      <a:prstDash val="solid"/>
-                      <a:round/>
-                      <a:headEnd type="none" w="med" len="med"/>
-                      <a:tailEnd type="none" w="med" len="med"/>
-                    </a:lnB>
-                    <a:lnTlToBr>
-                      <a:noFill/>
-                    </a:lnTlToBr>
-                    <a:lnBlToTr>
-                      <a:noFill/>
-                    </a:lnBlToTr>
-                    <a:noFill/>
-                  </a:tcPr>
-                </a:tc>
-                <a:tc>
-                  <a:txBody>
-                    <a:bodyPr/>
-                    <a:lstStyle/>
-                    <a:p>
-                      <a:pPr marL="354013" marR="0" lvl="0" indent="-354013" algn="l" defTabSz="914400" rtl="0" eaLnBrk="1" fontAlgn="base" latinLnBrk="0" hangingPunct="1">
-                        <a:lnSpc>
-                          <a:spcPct val="100000"/>
-                        </a:lnSpc>
-                        <a:spcBef>
-                          <a:spcPct val="20000"/>
-                        </a:spcBef>
-                        <a:spcAft>
-                          <a:spcPct val="0"/>
-                        </a:spcAft>
-                        <a:buClrTx/>
-                        <a:buSzTx/>
-                        <a:buFontTx/>
-                        <a:buNone/>
-                        <a:tabLst/>
-                        <a:defRPr/>
-                      </a:pPr>
-                      <a:endParaRPr kumimoji="0" lang="de-DE" sz="1150" b="0" i="0" u="none" strike="noStrike" cap="none" normalizeH="0" baseline="0" dirty="0">
-                        <a:ln>
-                          <a:noFill/>
-                        </a:ln>
-                        <a:solidFill>
-                          <a:srgbClr val="003366"/>
-                        </a:solidFill>
-                        <a:effectLst/>
-                        <a:latin typeface="Arial" charset="0"/>
-                      </a:endParaRPr>
-                    </a:p>
-                  </a:txBody>
-                  <a:tcPr horzOverflow="overflow">
-                    <a:lnL w="12700" cap="flat" cmpd="sng" algn="ctr">
-                      <a:solidFill>
-                        <a:schemeClr val="tx1"/>
-                      </a:solidFill>
-                      <a:prstDash val="solid"/>
-                      <a:round/>
-                      <a:headEnd type="none" w="med" len="med"/>
-                      <a:tailEnd type="none" w="med" len="med"/>
-                    </a:lnL>
-                    <a:lnR w="12700" cap="flat" cmpd="sng" algn="ctr">
-                      <a:solidFill>
-                        <a:schemeClr val="tx1"/>
-                      </a:solidFill>
-                      <a:prstDash val="solid"/>
-                      <a:round/>
-                      <a:headEnd type="none" w="med" len="med"/>
-                      <a:tailEnd type="none" w="med" len="med"/>
-                    </a:lnR>
-                    <a:lnT w="12700" cap="flat" cmpd="sng" algn="ctr">
-                      <a:solidFill>
-                        <a:schemeClr val="tx1"/>
-                      </a:solidFill>
-                      <a:prstDash val="solid"/>
-                      <a:round/>
-                      <a:headEnd type="none" w="med" len="med"/>
-                      <a:tailEnd type="none" w="med" len="med"/>
-                    </a:lnT>
-                    <a:lnB w="12700" cap="flat" cmpd="sng" algn="ctr">
-                      <a:solidFill>
-                        <a:schemeClr val="tx1"/>
-                      </a:solidFill>
-                      <a:prstDash val="solid"/>
-                      <a:round/>
-                      <a:headEnd type="none" w="med" len="med"/>
-                      <a:tailEnd type="none" w="med" len="med"/>
-                    </a:lnB>
-                    <a:lnTlToBr>
-                      <a:noFill/>
-                    </a:lnTlToBr>
-                    <a:lnBlToTr>
-                      <a:noFill/>
-                    </a:lnBlToTr>
-                    <a:noFill/>
-                  </a:tcPr>
-                </a:tc>
-                <a:extLst>
-                  <a:ext uri="{0D108BD9-81ED-4DB2-BD59-A6C34878D82A}">
-                    <a16:rowId xmlns:a16="http://schemas.microsoft.com/office/drawing/2014/main" val="10013"/>
-                  </a:ext>
-                </a:extLst>
-              </a:tr>
-              <a:tr h="0">
-                <a:tc>
-                  <a:txBody>
-                    <a:bodyPr/>
-                    <a:lstStyle/>
-                    <a:p>
-                      <a:pPr marL="354013" marR="0" lvl="0" indent="-354013" algn="ctr" defTabSz="914400" rtl="0" eaLnBrk="1" fontAlgn="base" latinLnBrk="0" hangingPunct="1">
-                        <a:lnSpc>
-                          <a:spcPct val="100000"/>
-                        </a:lnSpc>
-                        <a:spcBef>
-                          <a:spcPct val="20000"/>
-                        </a:spcBef>
-                        <a:spcAft>
-                          <a:spcPct val="0"/>
-                        </a:spcAft>
-                        <a:buClrTx/>
-                        <a:buSzTx/>
-                        <a:buFontTx/>
-                        <a:buNone/>
-                        <a:tabLst/>
-                      </a:pPr>
-                      <a:endParaRPr kumimoji="0" lang="de-DE" sz="1150" b="0" i="0" u="none" strike="noStrike" cap="none" normalizeH="0" baseline="0" dirty="0">
-                        <a:ln>
-                          <a:noFill/>
-                        </a:ln>
-                        <a:solidFill>
-                          <a:srgbClr val="003366"/>
-                        </a:solidFill>
-                        <a:effectLst/>
-                        <a:latin typeface="Arial" charset="0"/>
-                      </a:endParaRPr>
-                    </a:p>
-                  </a:txBody>
-                  <a:tcPr horzOverflow="overflow">
-                    <a:lnL w="12700" cap="flat" cmpd="sng" algn="ctr">
-                      <a:solidFill>
-                        <a:schemeClr val="tx1"/>
-                      </a:solidFill>
-                      <a:prstDash val="solid"/>
-                      <a:round/>
-                      <a:headEnd type="none" w="med" len="med"/>
-                      <a:tailEnd type="none" w="med" len="med"/>
-                    </a:lnL>
-                    <a:lnR w="12700" cap="flat" cmpd="sng" algn="ctr">
-                      <a:solidFill>
-                        <a:schemeClr val="tx1"/>
-                      </a:solidFill>
-                      <a:prstDash val="solid"/>
-                      <a:round/>
-                      <a:headEnd type="none" w="med" len="med"/>
-                      <a:tailEnd type="none" w="med" len="med"/>
-                    </a:lnR>
-                    <a:lnT w="12700" cap="flat" cmpd="sng" algn="ctr">
-                      <a:solidFill>
-                        <a:schemeClr val="tx1"/>
-                      </a:solidFill>
-                      <a:prstDash val="solid"/>
-                      <a:round/>
-                      <a:headEnd type="none" w="med" len="med"/>
-                      <a:tailEnd type="none" w="med" len="med"/>
-                    </a:lnT>
-                    <a:lnB w="12700" cap="flat" cmpd="sng" algn="ctr">
-                      <a:solidFill>
-                        <a:schemeClr val="tx1"/>
-                      </a:solidFill>
-                      <a:prstDash val="solid"/>
-                      <a:round/>
-                      <a:headEnd type="none" w="med" len="med"/>
-                      <a:tailEnd type="none" w="med" len="med"/>
-                    </a:lnB>
-                    <a:lnTlToBr>
-                      <a:noFill/>
-                    </a:lnTlToBr>
-                    <a:lnBlToTr>
-                      <a:noFill/>
-                    </a:lnBlToTr>
-                    <a:noFill/>
-                  </a:tcPr>
-                </a:tc>
-                <a:tc>
-                  <a:txBody>
-                    <a:bodyPr/>
-                    <a:lstStyle/>
-                    <a:p>
-                      <a:pPr marL="354013" marR="0" lvl="0" indent="-354013" algn="l" defTabSz="914400" rtl="0" eaLnBrk="1" fontAlgn="base" latinLnBrk="0" hangingPunct="1">
-                        <a:lnSpc>
-                          <a:spcPct val="100000"/>
-                        </a:lnSpc>
-                        <a:spcBef>
-                          <a:spcPct val="20000"/>
-                        </a:spcBef>
-                        <a:spcAft>
-                          <a:spcPct val="0"/>
-                        </a:spcAft>
-                        <a:buClrTx/>
-                        <a:buSzTx/>
-                        <a:buFontTx/>
-                        <a:buNone/>
-                        <a:tabLst/>
-                        <a:defRPr/>
-                      </a:pPr>
-                      <a:endParaRPr kumimoji="0" lang="de-DE" sz="1150" b="0" i="0" u="none" strike="noStrike" cap="none" normalizeH="0" baseline="0" dirty="0">
-                        <a:ln>
-                          <a:noFill/>
-                        </a:ln>
-                        <a:solidFill>
-                          <a:srgbClr val="003366"/>
-                        </a:solidFill>
-                        <a:effectLst/>
-                        <a:latin typeface="Arial" charset="0"/>
-                      </a:endParaRPr>
-                    </a:p>
-                  </a:txBody>
-                  <a:tcPr horzOverflow="overflow">
-                    <a:lnL w="12700" cap="flat" cmpd="sng" algn="ctr">
-                      <a:solidFill>
-                        <a:schemeClr val="tx1"/>
-                      </a:solidFill>
-                      <a:prstDash val="solid"/>
-                      <a:round/>
-                      <a:headEnd type="none" w="med" len="med"/>
-                      <a:tailEnd type="none" w="med" len="med"/>
-                    </a:lnL>
-                    <a:lnR w="12700" cap="flat" cmpd="sng" algn="ctr">
-                      <a:solidFill>
-                        <a:schemeClr val="tx1"/>
-                      </a:solidFill>
-                      <a:prstDash val="solid"/>
-                      <a:round/>
-                      <a:headEnd type="none" w="med" len="med"/>
-                      <a:tailEnd type="none" w="med" len="med"/>
-                    </a:lnR>
-                    <a:lnT w="12700" cap="flat" cmpd="sng" algn="ctr">
-                      <a:solidFill>
-                        <a:schemeClr val="tx1"/>
-                      </a:solidFill>
-                      <a:prstDash val="solid"/>
-                      <a:round/>
-                      <a:headEnd type="none" w="med" len="med"/>
-                      <a:tailEnd type="none" w="med" len="med"/>
-                    </a:lnT>
-                    <a:lnB w="12700" cap="flat" cmpd="sng" algn="ctr">
-                      <a:solidFill>
-                        <a:schemeClr val="tx1"/>
-                      </a:solidFill>
-                      <a:prstDash val="solid"/>
-                      <a:round/>
-                      <a:headEnd type="none" w="med" len="med"/>
-                      <a:tailEnd type="none" w="med" len="med"/>
-                    </a:lnB>
-                    <a:lnTlToBr>
-                      <a:noFill/>
-                    </a:lnTlToBr>
-                    <a:lnBlToTr>
-                      <a:noFill/>
-                    </a:lnBlToTr>
-                    <a:noFill/>
-                  </a:tcPr>
-                </a:tc>
-                <a:extLst>
-                  <a:ext uri="{0D108BD9-81ED-4DB2-BD59-A6C34878D82A}">
-                    <a16:rowId xmlns:a16="http://schemas.microsoft.com/office/drawing/2014/main" val="10014"/>
-                  </a:ext>
-                </a:extLst>
-              </a:tr>
-              <a:tr h="0">
-                <a:tc>
-                  <a:txBody>
-                    <a:bodyPr/>
-                    <a:lstStyle/>
-                    <a:p>
-                      <a:pPr marL="354013" marR="0" lvl="0" indent="-354013" algn="ctr" defTabSz="914400" rtl="0" eaLnBrk="1" fontAlgn="base" latinLnBrk="0" hangingPunct="1">
-                        <a:lnSpc>
-                          <a:spcPct val="100000"/>
-                        </a:lnSpc>
-                        <a:spcBef>
-                          <a:spcPct val="20000"/>
-                        </a:spcBef>
-                        <a:spcAft>
-                          <a:spcPct val="0"/>
-                        </a:spcAft>
-                        <a:buClrTx/>
-                        <a:buSzTx/>
-                        <a:buFontTx/>
-                        <a:buNone/>
-                        <a:tabLst/>
-                      </a:pPr>
-                      <a:endParaRPr kumimoji="0" lang="de-DE" sz="1150" b="0" i="0" u="none" strike="noStrike" cap="none" normalizeH="0" baseline="0" dirty="0">
-                        <a:ln>
-                          <a:noFill/>
-                        </a:ln>
-                        <a:solidFill>
-                          <a:srgbClr val="003366"/>
-                        </a:solidFill>
-                        <a:effectLst/>
-                        <a:latin typeface="Arial" charset="0"/>
-                      </a:endParaRPr>
-                    </a:p>
-                  </a:txBody>
-                  <a:tcPr horzOverflow="overflow">
-                    <a:lnL w="12700" cap="flat" cmpd="sng" algn="ctr">
-                      <a:solidFill>
-                        <a:schemeClr val="tx1"/>
-                      </a:solidFill>
-                      <a:prstDash val="solid"/>
-                      <a:round/>
-                      <a:headEnd type="none" w="med" len="med"/>
-                      <a:tailEnd type="none" w="med" len="med"/>
-                    </a:lnL>
-                    <a:lnR w="12700" cap="flat" cmpd="sng" algn="ctr">
-                      <a:solidFill>
-                        <a:schemeClr val="tx1"/>
-                      </a:solidFill>
-                      <a:prstDash val="solid"/>
-                      <a:round/>
-                      <a:headEnd type="none" w="med" len="med"/>
-                      <a:tailEnd type="none" w="med" len="med"/>
-                    </a:lnR>
-                    <a:lnT w="12700" cap="flat" cmpd="sng" algn="ctr">
-                      <a:solidFill>
-                        <a:schemeClr val="tx1"/>
-                      </a:solidFill>
-                      <a:prstDash val="solid"/>
-                      <a:round/>
-                      <a:headEnd type="none" w="med" len="med"/>
-                      <a:tailEnd type="none" w="med" len="med"/>
-                    </a:lnT>
-                    <a:lnB w="12700" cap="flat" cmpd="sng" algn="ctr">
-                      <a:solidFill>
-                        <a:schemeClr val="tx1"/>
-                      </a:solidFill>
-                      <a:prstDash val="solid"/>
-                      <a:round/>
-                      <a:headEnd type="none" w="med" len="med"/>
-                      <a:tailEnd type="none" w="med" len="med"/>
-                    </a:lnB>
-                    <a:lnTlToBr>
-                      <a:noFill/>
-                    </a:lnTlToBr>
-                    <a:lnBlToTr>
-                      <a:noFill/>
-                    </a:lnBlToTr>
-                    <a:noFill/>
-                  </a:tcPr>
-                </a:tc>
-                <a:tc>
-                  <a:txBody>
-                    <a:bodyPr/>
-                    <a:lstStyle/>
-                    <a:p>
-                      <a:pPr marL="354013" marR="0" lvl="0" indent="-354013" algn="l" defTabSz="914400" rtl="0" eaLnBrk="1" fontAlgn="base" latinLnBrk="0" hangingPunct="1">
-                        <a:lnSpc>
-                          <a:spcPct val="100000"/>
-                        </a:lnSpc>
-                        <a:spcBef>
-                          <a:spcPct val="20000"/>
-                        </a:spcBef>
-                        <a:spcAft>
-                          <a:spcPct val="0"/>
-                        </a:spcAft>
-                        <a:buClrTx/>
-                        <a:buSzTx/>
-                        <a:buFontTx/>
-                        <a:buNone/>
-                        <a:tabLst/>
-                      </a:pPr>
-                      <a:endParaRPr kumimoji="0" lang="de-DE" sz="1150" b="0" i="0" u="none" strike="noStrike" cap="none" normalizeH="0" baseline="0" dirty="0">
-                        <a:ln>
-                          <a:noFill/>
-                        </a:ln>
-                        <a:solidFill>
-                          <a:srgbClr val="003366"/>
-                        </a:solidFill>
-                        <a:effectLst/>
-                        <a:latin typeface="Arial" charset="0"/>
-                      </a:endParaRPr>
-                    </a:p>
-                  </a:txBody>
-                  <a:tcPr horzOverflow="overflow">
-                    <a:lnL w="12700" cap="flat" cmpd="sng" algn="ctr">
-                      <a:solidFill>
-                        <a:schemeClr val="tx1"/>
-                      </a:solidFill>
-                      <a:prstDash val="solid"/>
-                      <a:round/>
-                      <a:headEnd type="none" w="med" len="med"/>
-                      <a:tailEnd type="none" w="med" len="med"/>
-                    </a:lnL>
-                    <a:lnR w="12700" cap="flat" cmpd="sng" algn="ctr">
-                      <a:solidFill>
-                        <a:schemeClr val="tx1"/>
-                      </a:solidFill>
-                      <a:prstDash val="solid"/>
-                      <a:round/>
-                      <a:headEnd type="none" w="med" len="med"/>
-                      <a:tailEnd type="none" w="med" len="med"/>
-                    </a:lnR>
-                    <a:lnT w="12700" cap="flat" cmpd="sng" algn="ctr">
-                      <a:solidFill>
-                        <a:schemeClr val="tx1"/>
-                      </a:solidFill>
-                      <a:prstDash val="solid"/>
-                      <a:round/>
-                      <a:headEnd type="none" w="med" len="med"/>
-                      <a:tailEnd type="none" w="med" len="med"/>
-                    </a:lnT>
-                    <a:lnB w="12700" cap="flat" cmpd="sng" algn="ctr">
-                      <a:solidFill>
-                        <a:schemeClr val="tx1"/>
-                      </a:solidFill>
-                      <a:prstDash val="solid"/>
-                      <a:round/>
-                      <a:headEnd type="none" w="med" len="med"/>
-                      <a:tailEnd type="none" w="med" len="med"/>
-                    </a:lnB>
-                    <a:lnTlToBr>
-                      <a:noFill/>
-                    </a:lnTlToBr>
-                    <a:lnBlToTr>
-                      <a:noFill/>
-                    </a:lnBlToTr>
-                    <a:noFill/>
-                  </a:tcPr>
-                </a:tc>
-                <a:extLst>
-                  <a:ext uri="{0D108BD9-81ED-4DB2-BD59-A6C34878D82A}">
-                    <a16:rowId xmlns:a16="http://schemas.microsoft.com/office/drawing/2014/main" val="10015"/>
-                  </a:ext>
-                </a:extLst>
-              </a:tr>
-              <a:tr h="0">
-                <a:tc>
-                  <a:txBody>
-                    <a:bodyPr/>
-                    <a:lstStyle/>
-                    <a:p>
-                      <a:pPr marL="354013" marR="0" lvl="0" indent="-354013" algn="ctr" defTabSz="914400" rtl="0" eaLnBrk="1" fontAlgn="base" latinLnBrk="0" hangingPunct="1">
-                        <a:lnSpc>
-                          <a:spcPct val="100000"/>
-                        </a:lnSpc>
-                        <a:spcBef>
-                          <a:spcPct val="20000"/>
-                        </a:spcBef>
-                        <a:spcAft>
-                          <a:spcPct val="0"/>
-                        </a:spcAft>
-                        <a:buClrTx/>
-                        <a:buSzTx/>
-                        <a:buFontTx/>
-                        <a:buNone/>
-                        <a:tabLst/>
-                      </a:pPr>
-                      <a:endParaRPr kumimoji="0" lang="de-DE" sz="1150" b="1" i="0" u="none" strike="noStrike" cap="none" normalizeH="0" baseline="0" dirty="0">
-                        <a:ln>
-                          <a:noFill/>
-                        </a:ln>
-                        <a:solidFill>
-                          <a:srgbClr val="C00000"/>
-                        </a:solidFill>
-                        <a:effectLst/>
-                        <a:latin typeface="Arial" charset="0"/>
-                      </a:endParaRPr>
-                    </a:p>
-                  </a:txBody>
-                  <a:tcPr horzOverflow="overflow">
-                    <a:lnL w="12700" cap="flat" cmpd="sng" algn="ctr">
-                      <a:solidFill>
-                        <a:schemeClr val="tx1"/>
-                      </a:solidFill>
-                      <a:prstDash val="solid"/>
-                      <a:round/>
-                      <a:headEnd type="none" w="med" len="med"/>
-                      <a:tailEnd type="none" w="med" len="med"/>
-                    </a:lnL>
-                    <a:lnR w="12700" cap="flat" cmpd="sng" algn="ctr">
-                      <a:solidFill>
-                        <a:schemeClr val="tx1"/>
-                      </a:solidFill>
-                      <a:prstDash val="solid"/>
-                      <a:round/>
-                      <a:headEnd type="none" w="med" len="med"/>
-                      <a:tailEnd type="none" w="med" len="med"/>
-                    </a:lnR>
-                    <a:lnT w="12700" cap="flat" cmpd="sng" algn="ctr">
-                      <a:solidFill>
-                        <a:schemeClr val="tx1"/>
-                      </a:solidFill>
-                      <a:prstDash val="solid"/>
-                      <a:round/>
-                      <a:headEnd type="none" w="med" len="med"/>
-                      <a:tailEnd type="none" w="med" len="med"/>
-                    </a:lnT>
-                    <a:lnB w="12700" cap="flat" cmpd="sng" algn="ctr">
-                      <a:solidFill>
-                        <a:schemeClr val="tx1"/>
-                      </a:solidFill>
-                      <a:prstDash val="solid"/>
-                      <a:round/>
-                      <a:headEnd type="none" w="med" len="med"/>
-                      <a:tailEnd type="none" w="med" len="med"/>
-                    </a:lnB>
-                    <a:lnTlToBr>
-                      <a:noFill/>
-                    </a:lnTlToBr>
-                    <a:lnBlToTr>
-                      <a:noFill/>
-                    </a:lnBlToTr>
-                    <a:noFill/>
-                  </a:tcPr>
-                </a:tc>
-                <a:tc>
-                  <a:txBody>
-                    <a:bodyPr/>
-                    <a:lstStyle/>
-                    <a:p>
-                      <a:pPr marL="354013" marR="0" lvl="0" indent="-354013" algn="l" defTabSz="914400" rtl="0" eaLnBrk="1" fontAlgn="base" latinLnBrk="0" hangingPunct="1">
-                        <a:lnSpc>
-                          <a:spcPct val="100000"/>
-                        </a:lnSpc>
-                        <a:spcBef>
-                          <a:spcPct val="20000"/>
-                        </a:spcBef>
-                        <a:spcAft>
-                          <a:spcPct val="0"/>
-                        </a:spcAft>
-                        <a:buClrTx/>
-                        <a:buSzTx/>
-                        <a:buFontTx/>
-                        <a:buNone/>
-                        <a:tabLst/>
-                      </a:pPr>
-                      <a:endParaRPr kumimoji="0" lang="de-DE" sz="1150" b="1" i="0" u="none" strike="noStrike" cap="none" normalizeH="0" baseline="0" dirty="0">
-                        <a:ln>
-                          <a:noFill/>
-                        </a:ln>
-                        <a:solidFill>
-                          <a:srgbClr val="C00000"/>
-                        </a:solidFill>
-                        <a:effectLst/>
-                        <a:latin typeface="Arial" charset="0"/>
-                      </a:endParaRPr>
-                    </a:p>
-                  </a:txBody>
-                  <a:tcPr horzOverflow="overflow">
-                    <a:lnL w="12700" cap="flat" cmpd="sng" algn="ctr">
-                      <a:solidFill>
-                        <a:schemeClr val="tx1"/>
-                      </a:solidFill>
-                      <a:prstDash val="solid"/>
-                      <a:round/>
-                      <a:headEnd type="none" w="med" len="med"/>
-                      <a:tailEnd type="none" w="med" len="med"/>
-                    </a:lnL>
-                    <a:lnR w="12700" cap="flat" cmpd="sng" algn="ctr">
-                      <a:solidFill>
-                        <a:schemeClr val="tx1"/>
-                      </a:solidFill>
-                      <a:prstDash val="solid"/>
-                      <a:round/>
-                      <a:headEnd type="none" w="med" len="med"/>
-                      <a:tailEnd type="none" w="med" len="med"/>
-                    </a:lnR>
-                    <a:lnT w="12700" cap="flat" cmpd="sng" algn="ctr">
-                      <a:solidFill>
-                        <a:schemeClr val="tx1"/>
-                      </a:solidFill>
-                      <a:prstDash val="solid"/>
-                      <a:round/>
-                      <a:headEnd type="none" w="med" len="med"/>
-                      <a:tailEnd type="none" w="med" len="med"/>
-                    </a:lnT>
-                    <a:lnB w="12700" cap="flat" cmpd="sng" algn="ctr">
-                      <a:solidFill>
-                        <a:schemeClr val="tx1"/>
-                      </a:solidFill>
-                      <a:prstDash val="solid"/>
-                      <a:round/>
-                      <a:headEnd type="none" w="med" len="med"/>
-                      <a:tailEnd type="none" w="med" len="med"/>
-                    </a:lnB>
-                    <a:lnTlToBr>
-                      <a:noFill/>
-                    </a:lnTlToBr>
-                    <a:lnBlToTr>
-                      <a:noFill/>
-                    </a:lnBlToTr>
-                    <a:noFill/>
-                  </a:tcPr>
-                </a:tc>
-                <a:extLst>
-                  <a:ext uri="{0D108BD9-81ED-4DB2-BD59-A6C34878D82A}">
-                    <a16:rowId xmlns:a16="http://schemas.microsoft.com/office/drawing/2014/main" val="10016"/>
-                  </a:ext>
-                </a:extLst>
-              </a:tr>
-              <a:tr h="0">
-                <a:tc>
-                  <a:txBody>
-                    <a:bodyPr/>
-                    <a:lstStyle/>
-                    <a:p>
-                      <a:pPr marL="354013" marR="0" lvl="0" indent="-354013" algn="ctr" defTabSz="914400" rtl="0" eaLnBrk="1" fontAlgn="base" latinLnBrk="0" hangingPunct="1">
-                        <a:lnSpc>
-                          <a:spcPct val="100000"/>
-                        </a:lnSpc>
-                        <a:spcBef>
-                          <a:spcPct val="20000"/>
-                        </a:spcBef>
-                        <a:spcAft>
-                          <a:spcPct val="0"/>
-                        </a:spcAft>
-                        <a:buClrTx/>
-                        <a:buSzTx/>
-                        <a:buFontTx/>
-                        <a:buNone/>
-                        <a:tabLst/>
-                      </a:pPr>
-                      <a:endParaRPr kumimoji="0" lang="de-DE" sz="1150" b="1" i="0" u="none" strike="noStrike" cap="none" normalizeH="0" baseline="0" dirty="0">
-                        <a:ln>
-                          <a:noFill/>
-                        </a:ln>
-                        <a:solidFill>
-                          <a:srgbClr val="C00000"/>
-                        </a:solidFill>
-                        <a:effectLst/>
-                        <a:latin typeface="Arial" charset="0"/>
-                      </a:endParaRPr>
-                    </a:p>
-                  </a:txBody>
-                  <a:tcPr horzOverflow="overflow">
-                    <a:lnL w="12700" cap="flat" cmpd="sng" algn="ctr">
-                      <a:solidFill>
-                        <a:schemeClr val="tx1"/>
-                      </a:solidFill>
-                      <a:prstDash val="solid"/>
-                      <a:round/>
-                      <a:headEnd type="none" w="med" len="med"/>
-                      <a:tailEnd type="none" w="med" len="med"/>
-                    </a:lnL>
-                    <a:lnR w="12700" cap="flat" cmpd="sng" algn="ctr">
-                      <a:solidFill>
-                        <a:schemeClr val="tx1"/>
-                      </a:solidFill>
-                      <a:prstDash val="solid"/>
-                      <a:round/>
-                      <a:headEnd type="none" w="med" len="med"/>
-                      <a:tailEnd type="none" w="med" len="med"/>
-                    </a:lnR>
-                    <a:lnT w="12700" cap="flat" cmpd="sng" algn="ctr">
-                      <a:solidFill>
-                        <a:schemeClr val="tx1"/>
-                      </a:solidFill>
-                      <a:prstDash val="solid"/>
-                      <a:round/>
-                      <a:headEnd type="none" w="med" len="med"/>
-                      <a:tailEnd type="none" w="med" len="med"/>
-                    </a:lnT>
-                    <a:lnB w="12700" cap="flat" cmpd="sng" algn="ctr">
-                      <a:solidFill>
-                        <a:schemeClr val="tx1"/>
-                      </a:solidFill>
-                      <a:prstDash val="solid"/>
-                      <a:round/>
-                      <a:headEnd type="none" w="med" len="med"/>
-                      <a:tailEnd type="none" w="med" len="med"/>
-                    </a:lnB>
-                    <a:lnTlToBr>
-                      <a:noFill/>
-                    </a:lnTlToBr>
-                    <a:lnBlToTr>
-                      <a:noFill/>
-                    </a:lnBlToTr>
-                    <a:noFill/>
-                  </a:tcPr>
-                </a:tc>
-                <a:tc>
-                  <a:txBody>
-                    <a:bodyPr/>
-                    <a:lstStyle/>
-                    <a:p>
-                      <a:pPr marL="354013" marR="0" lvl="0" indent="-354013" algn="l" defTabSz="914400" rtl="0" eaLnBrk="1" fontAlgn="base" latinLnBrk="0" hangingPunct="1">
-                        <a:lnSpc>
-                          <a:spcPct val="100000"/>
-                        </a:lnSpc>
-                        <a:spcBef>
-                          <a:spcPct val="20000"/>
-                        </a:spcBef>
-                        <a:spcAft>
-                          <a:spcPct val="0"/>
-                        </a:spcAft>
-                        <a:buClrTx/>
-                        <a:buSzTx/>
-                        <a:buFontTx/>
-                        <a:buNone/>
-                        <a:tabLst/>
-                        <a:defRPr/>
-                      </a:pPr>
-                      <a:endParaRPr kumimoji="0" lang="de-DE" sz="1150" b="1" i="0" u="none" strike="noStrike" cap="none" normalizeH="0" baseline="0" dirty="0">
-                        <a:ln>
-                          <a:noFill/>
-                        </a:ln>
-                        <a:solidFill>
-                          <a:srgbClr val="C00000"/>
-                        </a:solidFill>
-                        <a:effectLst/>
-                        <a:latin typeface="Arial" charset="0"/>
-                      </a:endParaRPr>
-                    </a:p>
-                  </a:txBody>
-                  <a:tcPr horzOverflow="overflow">
-                    <a:lnL w="12700" cap="flat" cmpd="sng" algn="ctr">
-                      <a:solidFill>
-                        <a:schemeClr val="tx1"/>
-                      </a:solidFill>
-                      <a:prstDash val="solid"/>
-                      <a:round/>
-                      <a:headEnd type="none" w="med" len="med"/>
-                      <a:tailEnd type="none" w="med" len="med"/>
-                    </a:lnL>
-                    <a:lnR w="12700" cap="flat" cmpd="sng" algn="ctr">
-                      <a:solidFill>
-                        <a:schemeClr val="tx1"/>
-                      </a:solidFill>
-                      <a:prstDash val="solid"/>
-                      <a:round/>
-                      <a:headEnd type="none" w="med" len="med"/>
-                      <a:tailEnd type="none" w="med" len="med"/>
-                    </a:lnR>
-                    <a:lnT w="12700" cap="flat" cmpd="sng" algn="ctr">
-                      <a:solidFill>
-                        <a:schemeClr val="tx1"/>
-                      </a:solidFill>
-                      <a:prstDash val="solid"/>
-                      <a:round/>
-                      <a:headEnd type="none" w="med" len="med"/>
-                      <a:tailEnd type="none" w="med" len="med"/>
-                    </a:lnT>
-                    <a:lnB w="12700" cap="flat" cmpd="sng" algn="ctr">
-                      <a:solidFill>
-                        <a:schemeClr val="tx1"/>
-                      </a:solidFill>
-                      <a:prstDash val="solid"/>
-                      <a:round/>
-                      <a:headEnd type="none" w="med" len="med"/>
-                      <a:tailEnd type="none" w="med" len="med"/>
-                    </a:lnB>
-                    <a:lnTlToBr>
-                      <a:noFill/>
-                    </a:lnTlToBr>
-                    <a:lnBlToTr>
-                      <a:noFill/>
-                    </a:lnBlToTr>
-                    <a:noFill/>
-                  </a:tcPr>
-                </a:tc>
-                <a:extLst>
-                  <a:ext uri="{0D108BD9-81ED-4DB2-BD59-A6C34878D82A}">
-                    <a16:rowId xmlns:a16="http://schemas.microsoft.com/office/drawing/2014/main" val="10017"/>
-                  </a:ext>
-                </a:extLst>
-              </a:tr>
             </a:tbl>
           </a:graphicData>
         </a:graphic>
@@ -11665,7 +10689,7 @@
                                           </p:stCondLst>
                                         </p:cTn>
                                         <p:tgtEl>
-                                          <p:spTgt spid="7"/>
+                                          <p:spTgt spid="8"/>
                                         </p:tgtEl>
                                         <p:attrNameLst>
                                           <p:attrName>style.visibility</p:attrName>
@@ -11679,7 +10703,7 @@
                                       <p:cBhvr>
                                         <p:cTn id="7" dur="500"/>
                                         <p:tgtEl>
-                                          <p:spTgt spid="7"/>
+                                          <p:spTgt spid="8"/>
                                         </p:tgtEl>
                                       </p:cBhvr>
                                     </p:animEffect>
